--- a/presentation/230526_9기_부울경_1반_관통PJT_김나연_이소정.pptx
+++ b/presentation/230526_9기_부울경_1반_관통PJT_김나연_이소정.pptx
@@ -1,6 +1,6 @@
 
 <file path=ppt/presentation.xml><?xml version="1.0" encoding="utf-8"?>
-<p:presentation xmlns:r="http://schemas.openxmlformats.org/officeDocument/2006/relationships" xmlns:c="http://schemas.openxmlformats.org/drawingml/2006/chart" xmlns:a="http://schemas.openxmlformats.org/drawingml/2006/main" xmlns:dgm="http://schemas.openxmlformats.org/drawingml/2006/diagram" xmlns:dsp="http://schemas.microsoft.com/office/drawing/2008/diagram" xmlns:p="http://schemas.openxmlformats.org/presentationml/2006/main">
+<p:presentation xmlns:a="http://schemas.openxmlformats.org/drawingml/2006/main" xmlns:r="http://schemas.openxmlformats.org/officeDocument/2006/relationships" xmlns:p="http://schemas.openxmlformats.org/presentationml/2006/main">
   <p:sldMasterIdLst>
     <p:sldMasterId id="2147483648" r:id="rId1"/>
   </p:sldMasterIdLst>
@@ -16,7 +16,7 @@
     <p:sldId id="264" r:id="rId10"/>
     <p:sldId id="265" r:id="rId11"/>
   </p:sldIdLst>
-  <p:sldSz cx="18288000" cy="10287000" type="screen4x3"/>
+  <p:sldSz cx="18288000" cy="10287000"/>
   <p:notesSz cx="10287000" cy="18288000"/>
   <p:defaultTextStyle>
     <a:defPPr>
@@ -113,17 +113,33 @@
       </a:defRPr>
     </a:lvl9pPr>
   </p:defaultTextStyle>
+  <p:extLst>
+    <p:ext uri="{EFAFB233-063F-42B5-8137-9DF3F51BA10A}">
+      <p15:sldGuideLst xmlns:p15="http://schemas.microsoft.com/office/powerpoint/2012/main">
+        <p15:guide id="1" orient="horz" pos="2159">
+          <p15:clr>
+            <a:srgbClr val="A4A3A4"/>
+          </p15:clr>
+        </p15:guide>
+        <p15:guide id="2" pos="2880">
+          <p15:clr>
+            <a:srgbClr val="A4A3A4"/>
+          </p15:clr>
+        </p15:guide>
+      </p15:sldGuideLst>
+    </p:ext>
+  </p:extLst>
 </p:presentation>
 </file>
 
 <file path=ppt/commentAuthors.xml><?xml version="1.0" encoding="utf-8"?>
-<p:cmAuthorLst xmlns:r="http://schemas.openxmlformats.org/officeDocument/2006/relationships" xmlns:c="http://schemas.openxmlformats.org/drawingml/2006/chart" xmlns:a="http://schemas.openxmlformats.org/drawingml/2006/main" xmlns:dgm="http://schemas.openxmlformats.org/drawingml/2006/diagram" xmlns:dsp="http://schemas.microsoft.com/office/drawing/2008/diagram" xmlns:p="http://schemas.openxmlformats.org/presentationml/2006/main">
+<p:cmAuthorLst xmlns:a="http://schemas.openxmlformats.org/drawingml/2006/main" xmlns:r="http://schemas.openxmlformats.org/officeDocument/2006/relationships" xmlns:p="http://schemas.openxmlformats.org/presentationml/2006/main">
   <p:cmAuthor id="0" name="Nayeon" initials="N" lastIdx="1" clrIdx="0"/>
 </p:cmAuthorLst>
 </file>
 
 <file path=ppt/comments/comment1.xml><?xml version="1.0" encoding="utf-8"?>
-<p:cmLst xmlns:r="http://schemas.openxmlformats.org/officeDocument/2006/relationships" xmlns:c="http://schemas.openxmlformats.org/drawingml/2006/chart" xmlns:a="http://schemas.openxmlformats.org/drawingml/2006/main" xmlns:dgm="http://schemas.openxmlformats.org/drawingml/2006/diagram" xmlns:dsp="http://schemas.microsoft.com/office/drawing/2008/diagram" xmlns:p="http://schemas.openxmlformats.org/presentationml/2006/main">
+<p:cmLst xmlns:a="http://schemas.openxmlformats.org/drawingml/2006/main" xmlns:r="http://schemas.openxmlformats.org/officeDocument/2006/relationships" xmlns:p="http://schemas.openxmlformats.org/presentationml/2006/main">
   <p:cm authorId="0" dt="2023-05-26T06:10:48.117" idx="1">
     <p:pos x="10" y="10"/>
     <p:text/>
@@ -477,7 +493,7 @@
           <a:p>
             <a:fld id="{A76116CE-C4A3-4A05-B2D7-7C2E9A889C0F}" type="datetimeFigureOut">
               <a:rPr lang="en-US" smtClean="0"/>
-              <a:t>1/30/2017</a:t>
+              <a:t>5/26/2023</a:t>
             </a:fld>
             <a:endParaRPr lang="en-US"/>
           </a:p>
@@ -652,7 +668,7 @@
           <a:p>
             <a:fld id="{A76116CE-C4A3-4A05-B2D7-7C2E9A889C0F}" type="datetimeFigureOut">
               <a:rPr lang="en-US" smtClean="0"/>
-              <a:t>1/30/2017</a:t>
+              <a:t>5/26/2023</a:t>
             </a:fld>
             <a:endParaRPr lang="en-US"/>
           </a:p>
@@ -1343,7 +1359,7 @@
           <a:p>
             <a:fld id="{A76116CE-C4A3-4A05-B2D7-7C2E9A889C0F}" type="datetimeFigureOut">
               <a:rPr lang="en-US" smtClean="0"/>
-              <a:t>1/30/2017</a:t>
+              <a:t>5/26/2023</a:t>
             </a:fld>
             <a:endParaRPr lang="en-US"/>
           </a:p>
@@ -1760,7 +1776,7 @@
           <a:p>
             <a:fld id="{A76116CE-C4A3-4A05-B2D7-7C2E9A889C0F}" type="datetimeFigureOut">
               <a:rPr lang="en-US" smtClean="0"/>
-              <a:t>1/30/2017</a:t>
+              <a:t>5/26/2023</a:t>
             </a:fld>
             <a:endParaRPr lang="en-US"/>
           </a:p>
@@ -1873,7 +1889,7 @@
           <a:p>
             <a:fld id="{A76116CE-C4A3-4A05-B2D7-7C2E9A889C0F}" type="datetimeFigureOut">
               <a:rPr lang="en-US" smtClean="0"/>
-              <a:t>1/30/2017</a:t>
+              <a:t>5/26/2023</a:t>
             </a:fld>
             <a:endParaRPr lang="en-US"/>
           </a:p>
@@ -1963,7 +1979,7 @@
           <a:p>
             <a:fld id="{A76116CE-C4A3-4A05-B2D7-7C2E9A889C0F}" type="datetimeFigureOut">
               <a:rPr lang="en-US" smtClean="0"/>
-              <a:t>1/30/2017</a:t>
+              <a:t>5/26/2023</a:t>
             </a:fld>
             <a:endParaRPr lang="en-US"/>
           </a:p>
@@ -2235,7 +2251,7 @@
           <a:p>
             <a:fld id="{A76116CE-C4A3-4A05-B2D7-7C2E9A889C0F}" type="datetimeFigureOut">
               <a:rPr lang="en-US" smtClean="0"/>
-              <a:t>1/30/2017</a:t>
+              <a:t>5/26/2023</a:t>
             </a:fld>
             <a:endParaRPr lang="en-US"/>
           </a:p>
@@ -2483,7 +2499,7 @@
           <a:p>
             <a:fld id="{A76116CE-C4A3-4A05-B2D7-7C2E9A889C0F}" type="datetimeFigureOut">
               <a:rPr lang="en-US" smtClean="0"/>
-              <a:t>1/30/2017</a:t>
+              <a:t>5/26/2023</a:t>
             </a:fld>
             <a:endParaRPr lang="en-US"/>
           </a:p>
@@ -2691,7 +2707,7 @@
           <a:p>
             <a:fld id="{F8166F1F-CE9B-4651-A6AA-CD717754106B}" type="datetimeFigureOut">
               <a:rPr lang="en-US" smtClean="0"/>
-              <a:t>6/13/2013</a:t>
+              <a:t>5/26/2023</a:t>
             </a:fld>
             <a:endParaRPr lang="en-US"/>
           </a:p>
@@ -2769,7 +2785,7 @@
           <a:p>
             <a:fld id="{F7021451-1387-4CA6-816F-3879F97B5CBC}" type="slidenum">
               <a:rPr lang="en-US" smtClean="0"/>
-              <a:t>�#�</a:t>
+              <a:t>‹#›</a:t>
             </a:fld>
             <a:endParaRPr lang="en-US"/>
           </a:p>
@@ -2780,16 +2796,16 @@
   <p:clrMap bg1="lt1" tx1="dk1" bg2="lt2" tx2="dk2" accent1="accent1" accent2="accent2" accent3="accent3" accent4="accent4" accent5="accent5" accent6="accent6" hlink="hlink" folHlink="folHlink"/>
   <p:sldLayoutIdLst>
     <p:sldLayoutId id="2147483649" r:id="rId1"/>
-    <p:sldLayoutId id="2147483650" r:id="rId3"/>
-    <p:sldLayoutId id="2147483651" r:id="rId4"/>
-    <p:sldLayoutId id="2147483652" r:id="rId5"/>
-    <p:sldLayoutId id="2147483653" r:id="rId6"/>
-    <p:sldLayoutId id="2147483654" r:id="rId7"/>
-    <p:sldLayoutId id="2147483655" r:id="rId8"/>
-    <p:sldLayoutId id="2147483656" r:id="rId9"/>
-    <p:sldLayoutId id="2147483657" r:id="rId10"/>
-    <p:sldLayoutId id="2147483658" r:id="rId11"/>
-    <p:sldLayoutId id="2147483659" r:id="rId12"/>
+    <p:sldLayoutId id="2147483650" r:id="rId2"/>
+    <p:sldLayoutId id="2147483651" r:id="rId3"/>
+    <p:sldLayoutId id="2147483652" r:id="rId4"/>
+    <p:sldLayoutId id="2147483653" r:id="rId5"/>
+    <p:sldLayoutId id="2147483654" r:id="rId6"/>
+    <p:sldLayoutId id="2147483655" r:id="rId7"/>
+    <p:sldLayoutId id="2147483656" r:id="rId8"/>
+    <p:sldLayoutId id="2147483657" r:id="rId9"/>
+    <p:sldLayoutId id="2147483658" r:id="rId10"/>
+    <p:sldLayoutId id="2147483659" r:id="rId11"/>
   </p:sldLayoutIdLst>
   <p:txStyles>
     <p:titleStyle>
@@ -3045,13 +3061,14 @@
 </file>
 
 <file path=ppt/slides/slide1.xml><?xml version="1.0" encoding="utf-8"?>
-<p:sld xmlns:r="http://schemas.openxmlformats.org/officeDocument/2006/relationships" xmlns:c="http://schemas.openxmlformats.org/drawingml/2006/chart" xmlns:a="http://schemas.openxmlformats.org/drawingml/2006/main" xmlns:dgm="http://schemas.openxmlformats.org/drawingml/2006/diagram" xmlns:dsp="http://schemas.microsoft.com/office/drawing/2008/diagram" xmlns:p="http://schemas.openxmlformats.org/presentationml/2006/main">
+<p:sld xmlns:a="http://schemas.openxmlformats.org/drawingml/2006/main" xmlns:r="http://schemas.openxmlformats.org/officeDocument/2006/relationships" xmlns:p="http://schemas.openxmlformats.org/presentationml/2006/main">
   <p:cSld name="Slide 1">
     <p:bg>
-      <p:bgPr shadeToTitle="0">
+      <p:bgPr>
         <a:solidFill>
-          <a:srgbClr val="ff4429"/>
+          <a:srgbClr val="FF4429"/>
         </a:solidFill>
+        <a:effectLst/>
       </p:bgPr>
     </p:bg>
     <p:spTree>
@@ -3075,7 +3092,7 @@
           <p:nvPr/>
         </p:nvGrpSpPr>
         <p:grpSpPr>
-          <a:xfrm rot="0">
+          <a:xfrm>
             <a:off x="-150114" y="0"/>
             <a:ext cx="18285714" cy="10285714"/>
             <a:chOff x="0" y="0"/>
@@ -3333,6 +3350,7 @@
           <a:bodyPr wrap="square">
             <a:spAutoFit/>
           </a:bodyPr>
+          <a:lstStyle/>
           <a:p>
             <a:pPr lvl="0">
               <a:defRPr/>
@@ -3340,7 +3358,7 @@
             <a:r>
               <a:rPr lang="ko-KR" altLang="en-US" sz="4300">
                 <a:solidFill>
-                  <a:srgbClr val="9b9b9b"/>
+                  <a:srgbClr val="9B9B9B"/>
                 </a:solidFill>
                 <a:latin typeface="나눔고딕"/>
                 <a:ea typeface="나눔고딕"/>
@@ -3351,7 +3369,7 @@
             <a:r>
               <a:rPr lang="en-US" altLang="ko-KR" sz="4300">
                 <a:solidFill>
-                  <a:srgbClr val="9b9b9b"/>
+                  <a:srgbClr val="9B9B9B"/>
                 </a:solidFill>
                 <a:latin typeface="나눔고딕"/>
                 <a:ea typeface="나눔고딕"/>
@@ -3362,7 +3380,7 @@
             <a:r>
               <a:rPr lang="ko-KR" altLang="en-US" sz="4300">
                 <a:solidFill>
-                  <a:srgbClr val="9b9b9b"/>
+                  <a:srgbClr val="9B9B9B"/>
                 </a:solidFill>
                 <a:latin typeface="나눔고딕"/>
                 <a:ea typeface="나눔고딕"/>
@@ -3370,14 +3388,6 @@
               </a:rPr>
               <a:t>를 이용한 영화 이미지 창작 커뮤니티</a:t>
             </a:r>
-            <a:endParaRPr lang="ko-KR" altLang="en-US" sz="4300">
-              <a:solidFill>
-                <a:srgbClr val="9b9b9b"/>
-              </a:solidFill>
-              <a:latin typeface="나눔고딕"/>
-              <a:ea typeface="나눔고딕"/>
-              <a:cs typeface="맑은 고딕 Semilight"/>
-            </a:endParaRPr>
           </a:p>
         </p:txBody>
       </p:sp>
@@ -3390,13 +3400,14 @@
 </file>
 
 <file path=ppt/slides/slide10.xml><?xml version="1.0" encoding="utf-8"?>
-<p:sld xmlns:r="http://schemas.openxmlformats.org/officeDocument/2006/relationships" xmlns:c="http://schemas.openxmlformats.org/drawingml/2006/chart" xmlns:a="http://schemas.openxmlformats.org/drawingml/2006/main" xmlns:dgm="http://schemas.openxmlformats.org/drawingml/2006/diagram" xmlns:dsp="http://schemas.microsoft.com/office/drawing/2008/diagram" xmlns:p="http://schemas.openxmlformats.org/presentationml/2006/main">
+<p:sld xmlns:a="http://schemas.openxmlformats.org/drawingml/2006/main" xmlns:r="http://schemas.openxmlformats.org/officeDocument/2006/relationships" xmlns:p="http://schemas.openxmlformats.org/presentationml/2006/main">
   <p:cSld name="Slide 10">
     <p:bg>
-      <p:bgPr shadeToTitle="0">
+      <p:bgPr>
         <a:solidFill>
-          <a:srgbClr val="faef48"/>
+          <a:srgbClr val="FAEF48"/>
         </a:solidFill>
+        <a:effectLst/>
       </p:bgPr>
     </p:bg>
     <p:spTree>
@@ -3841,7 +3852,7 @@
             <p:nvPr/>
           </p:nvPicPr>
           <p:blipFill>
-            <a:blip r:embed="rId9" cstate="print"/>
+            <a:blip r:embed="rId6" cstate="print"/>
             <a:stretch>
               <a:fillRect/>
             </a:stretch>
@@ -3866,7 +3877,7 @@
           <p:nvPr/>
         </p:nvPicPr>
         <p:blipFill>
-          <a:blip r:embed="rId10" cstate="print"/>
+          <a:blip r:embed="rId9" cstate="print"/>
           <a:stretch>
             <a:fillRect/>
           </a:stretch>
@@ -3890,7 +3901,7 @@
           <p:nvPr/>
         </p:nvPicPr>
         <p:blipFill>
-          <a:blip r:embed="rId11" cstate="print"/>
+          <a:blip r:embed="rId10" cstate="print"/>
           <a:stretch>
             <a:fillRect/>
           </a:stretch>
@@ -3928,7 +3939,7 @@
             <p:nvPr/>
           </p:nvPicPr>
           <p:blipFill>
-            <a:blip r:embed="rId12" cstate="print"/>
+            <a:blip r:embed="rId6" cstate="print"/>
             <a:stretch>
               <a:fillRect/>
             </a:stretch>
@@ -3953,7 +3964,7 @@
           <p:nvPr/>
         </p:nvPicPr>
         <p:blipFill>
-          <a:blip r:embed="rId13" cstate="print"/>
+          <a:blip r:embed="rId11" cstate="print"/>
           <a:stretch>
             <a:fillRect/>
           </a:stretch>
@@ -3977,7 +3988,7 @@
           <p:nvPr/>
         </p:nvPicPr>
         <p:blipFill>
-          <a:blip r:embed="rId14" cstate="print"/>
+          <a:blip r:embed="rId12" cstate="print"/>
           <a:stretch>
             <a:fillRect/>
           </a:stretch>
@@ -4001,7 +4012,7 @@
           <p:nvPr/>
         </p:nvPicPr>
         <p:blipFill>
-          <a:blip r:embed="rId15" cstate="print"/>
+          <a:blip r:embed="rId13" cstate="print"/>
           <a:stretch>
             <a:fillRect/>
           </a:stretch>
@@ -4025,13 +4036,14 @@
 </file>
 
 <file path=ppt/slides/slide3.xml><?xml version="1.0" encoding="utf-8"?>
-<p:sld xmlns:r="http://schemas.openxmlformats.org/officeDocument/2006/relationships" xmlns:c="http://schemas.openxmlformats.org/drawingml/2006/chart" xmlns:a="http://schemas.openxmlformats.org/drawingml/2006/main" xmlns:dgm="http://schemas.openxmlformats.org/drawingml/2006/diagram" xmlns:dsp="http://schemas.microsoft.com/office/drawing/2008/diagram" xmlns:p="http://schemas.openxmlformats.org/presentationml/2006/main">
+<p:sld xmlns:a="http://schemas.openxmlformats.org/drawingml/2006/main" xmlns:r="http://schemas.openxmlformats.org/officeDocument/2006/relationships" xmlns:p="http://schemas.openxmlformats.org/presentationml/2006/main">
   <p:cSld name="Slide 3">
     <p:bg>
-      <p:bgPr shadeToTitle="0">
+      <p:bgPr>
         <a:solidFill>
-          <a:srgbClr val="ffffff"/>
+          <a:srgbClr val="FFFFFF"/>
         </a:solidFill>
+        <a:effectLst/>
       </p:bgPr>
     </p:bg>
     <p:spTree>
@@ -4055,7 +4067,7 @@
           <p:nvPr/>
         </p:nvGrpSpPr>
         <p:grpSpPr>
-          <a:xfrm rot="0">
+          <a:xfrm>
             <a:off x="5233848" y="1866900"/>
             <a:ext cx="7820305" cy="138004"/>
             <a:chOff x="5232704" y="2450498"/>
@@ -4094,7 +4106,7 @@
           <p:nvPr/>
         </p:nvGrpSpPr>
         <p:grpSpPr>
-          <a:xfrm rot="0">
+          <a:xfrm>
             <a:off x="0" y="-198761"/>
             <a:ext cx="18285714" cy="8161663"/>
             <a:chOff x="0" y="7200822"/>
@@ -4133,7 +4145,7 @@
           <p:nvPr/>
         </p:nvGrpSpPr>
         <p:grpSpPr>
-          <a:xfrm rot="0">
+          <a:xfrm>
             <a:off x="0" y="6896100"/>
             <a:ext cx="18288000" cy="4648200"/>
             <a:chOff x="108812" y="10817220"/>
@@ -4319,6 +4331,7 @@
           <a:bodyPr wrap="square">
             <a:spAutoFit/>
           </a:bodyPr>
+          <a:lstStyle/>
           <a:p>
             <a:pPr lvl="0" algn="ctr">
               <a:lnSpc>
@@ -4351,7 +4364,6 @@
               <a:rPr lang="en-US" altLang="ko-KR" sz="3400" i="1"/>
               <a:t>”</a:t>
             </a:r>
-            <a:endParaRPr lang="en-US" altLang="ko-KR" sz="3400" i="1"/>
           </a:p>
         </p:txBody>
       </p:sp>
@@ -4362,7 +4374,7 @@
           <p:nvPr/>
         </p:nvGrpSpPr>
         <p:grpSpPr>
-          <a:xfrm rot="0">
+          <a:xfrm>
             <a:off x="5943600" y="1714500"/>
             <a:ext cx="6781800" cy="76200"/>
             <a:chOff x="6734794" y="-84034"/>
@@ -4403,13 +4415,14 @@
 </file>
 
 <file path=ppt/slides/slide4.xml><?xml version="1.0" encoding="utf-8"?>
-<p:sld xmlns:r="http://schemas.openxmlformats.org/officeDocument/2006/relationships" xmlns:c="http://schemas.openxmlformats.org/drawingml/2006/chart" xmlns:a="http://schemas.openxmlformats.org/drawingml/2006/main" xmlns:dgm="http://schemas.openxmlformats.org/drawingml/2006/diagram" xmlns:dsp="http://schemas.microsoft.com/office/drawing/2008/diagram" xmlns:p="http://schemas.openxmlformats.org/presentationml/2006/main">
+<p:sld xmlns:a="http://schemas.openxmlformats.org/drawingml/2006/main" xmlns:r="http://schemas.openxmlformats.org/officeDocument/2006/relationships" xmlns:p="http://schemas.openxmlformats.org/presentationml/2006/main">
   <p:cSld name="Slide 5">
     <p:bg>
-      <p:bgPr shadeToTitle="0">
+      <p:bgPr>
         <a:solidFill>
-          <a:srgbClr val="ffffff"/>
+          <a:srgbClr val="FFFFFF"/>
         </a:solidFill>
+        <a:effectLst/>
       </p:bgPr>
     </p:bg>
     <p:spTree>
@@ -4457,7 +4470,7 @@
           <p:nvPr/>
         </p:nvGrpSpPr>
         <p:grpSpPr>
-          <a:xfrm rot="0">
+          <a:xfrm>
             <a:off x="3352800" y="1968293"/>
             <a:ext cx="4318207" cy="4318207"/>
             <a:chOff x="3341517" y="2603878"/>
@@ -4520,7 +4533,7 @@
           <p:nvPr/>
         </p:nvGrpSpPr>
         <p:grpSpPr>
-          <a:xfrm rot="0">
+          <a:xfrm>
             <a:off x="10616993" y="1943100"/>
             <a:ext cx="4318207" cy="4318207"/>
             <a:chOff x="10625989" y="2603878"/>
@@ -4634,6 +4647,7 @@
           <a:bodyPr wrap="none">
             <a:spAutoFit/>
           </a:bodyPr>
+          <a:lstStyle/>
           <a:p>
             <a:pPr marL="399840" lvl="0" indent="-399840">
               <a:lnSpc>
@@ -4644,13 +4658,13 @@
               <a:defRPr/>
             </a:pPr>
             <a:r>
-              <a:rPr lang="ko-KR" altLang="en-US" sz="2800" b="1" spc="0">
+              <a:rPr lang="ko-KR" altLang="en-US" sz="2800" b="1" spc="0" dirty="0">
                 <a:latin typeface="나눔고딕"/>
                 <a:ea typeface="나눔고딕"/>
               </a:rPr>
               <a:t>기획 총괄</a:t>
             </a:r>
-            <a:endParaRPr lang="ko-KR" altLang="en-US" sz="2800" b="1">
+            <a:endParaRPr lang="ko-KR" altLang="en-US" sz="2800" b="1" dirty="0">
               <a:latin typeface="나눔고딕"/>
               <a:ea typeface="나눔고딕"/>
             </a:endParaRPr>
@@ -4665,23 +4679,19 @@
               <a:defRPr/>
             </a:pPr>
             <a:r>
-              <a:rPr lang="ko-KR" altLang="en-US" sz="2800" b="1">
+              <a:rPr lang="ko-KR" altLang="en-US" sz="2800" b="1" dirty="0">
                 <a:latin typeface="나눔고딕"/>
                 <a:ea typeface="나눔고딕"/>
               </a:rPr>
               <a:t>이미지 생성 </a:t>
             </a:r>
             <a:r>
-              <a:rPr lang="en-US" altLang="ko-KR" sz="2800" b="1">
+              <a:rPr lang="en-US" altLang="ko-KR" sz="2800" b="1" dirty="0">
                 <a:latin typeface="나눔고딕"/>
                 <a:ea typeface="나눔고딕"/>
               </a:rPr>
               <a:t>BACK &amp; FRONT</a:t>
             </a:r>
-            <a:endParaRPr lang="en-US" altLang="ko-KR" sz="2800" b="1">
-              <a:latin typeface="나눔고딕"/>
-              <a:ea typeface="나눔고딕"/>
-            </a:endParaRPr>
           </a:p>
           <a:p>
             <a:pPr marL="399840" lvl="0" indent="-399840">
@@ -4693,23 +4703,19 @@
               <a:defRPr/>
             </a:pPr>
             <a:r>
-              <a:rPr lang="ko-KR" altLang="en-US" sz="2800" b="1">
+              <a:rPr lang="ko-KR" altLang="en-US" sz="2800" b="1" dirty="0">
                 <a:latin typeface="나눔고딕"/>
                 <a:ea typeface="나눔고딕"/>
               </a:rPr>
               <a:t>영화 </a:t>
             </a:r>
             <a:r>
-              <a:rPr lang="en-US" altLang="ko-KR" sz="2800" b="1">
+              <a:rPr lang="en-US" altLang="ko-KR" sz="2800" b="1" dirty="0">
                 <a:latin typeface="나눔고딕"/>
                 <a:ea typeface="나눔고딕"/>
               </a:rPr>
               <a:t>BACK &amp; FRONT</a:t>
             </a:r>
-            <a:endParaRPr lang="en-US" altLang="ko-KR" sz="2800" b="1">
-              <a:latin typeface="나눔고딕"/>
-              <a:ea typeface="나눔고딕"/>
-            </a:endParaRPr>
           </a:p>
           <a:p>
             <a:pPr marL="399840" lvl="0" indent="-399840">
@@ -4721,23 +4727,26 @@
               <a:defRPr/>
             </a:pPr>
             <a:r>
-              <a:rPr lang="ko-KR" altLang="en-US" sz="2800" b="1">
+              <a:rPr lang="ko-KR" altLang="en-US" sz="2800" b="1" dirty="0" err="1">
                 <a:latin typeface="나눔고딕"/>
                 <a:ea typeface="나눔고딕"/>
               </a:rPr>
-              <a:t>마이페이지 </a:t>
-            </a:r>
-            <a:r>
-              <a:rPr lang="en-US" altLang="ko-KR" sz="2800" b="1">
+              <a:t>마이페이지</a:t>
+            </a:r>
+            <a:r>
+              <a:rPr lang="ko-KR" altLang="en-US" sz="2800" b="1" dirty="0">
+                <a:latin typeface="나눔고딕"/>
+                <a:ea typeface="나눔고딕"/>
+              </a:rPr>
+              <a:t> </a:t>
+            </a:r>
+            <a:r>
+              <a:rPr lang="en-US" altLang="ko-KR" sz="2800" b="1" dirty="0">
                 <a:latin typeface="나눔고딕"/>
                 <a:ea typeface="나눔고딕"/>
               </a:rPr>
               <a:t>BACK &amp; FRONT</a:t>
             </a:r>
-            <a:endParaRPr lang="en-US" altLang="ko-KR" sz="2800" b="1">
-              <a:latin typeface="나눔고딕"/>
-              <a:ea typeface="나눔고딕"/>
-            </a:endParaRPr>
           </a:p>
         </p:txBody>
       </p:sp>
@@ -4760,6 +4769,7 @@
           <a:bodyPr wrap="none">
             <a:spAutoFit/>
           </a:bodyPr>
+          <a:lstStyle/>
           <a:p>
             <a:pPr marL="399840" lvl="0" indent="-399840" algn="l" defTabSz="914400" rtl="0" eaLnBrk="1" latinLnBrk="0" hangingPunct="1">
               <a:lnSpc>
@@ -4776,7 +4786,7 @@
               <a:defRPr/>
             </a:pPr>
             <a:r>
-              <a:rPr xmlns:mc="http://schemas.openxmlformats.org/markup-compatibility/2006" xmlns:hp="http://schemas.haansoft.com/office/presentation/8.0" kumimoji="0" lang="ko-KR" altLang="en-US" sz="2800" b="1" i="0" u="none" strike="noStrike" kern="1200" cap="none" spc="0" normalizeH="0" baseline="0" mc:Ignorable="hp" hp:hslEmbossed="0">
+              <a:rPr kumimoji="0" lang="ko-KR" altLang="en-US" sz="2800" b="1" i="0" u="none" strike="noStrike" kern="1200" cap="none" spc="0" normalizeH="0" baseline="0">
                 <a:solidFill>
                   <a:srgbClr val="000000"/>
                 </a:solidFill>
@@ -4785,13 +4795,6 @@
               </a:rPr>
               <a:t>디자인 총괄</a:t>
             </a:r>
-            <a:endParaRPr xmlns:mc="http://schemas.openxmlformats.org/markup-compatibility/2006" xmlns:hp="http://schemas.haansoft.com/office/presentation/8.0" kumimoji="0" lang="ko-KR" altLang="en-US" sz="2800" b="1" i="0" u="none" strike="noStrike" kern="1200" cap="none" spc="0" normalizeH="0" baseline="0" mc:Ignorable="hp" hp:hslEmbossed="0">
-              <a:solidFill>
-                <a:srgbClr val="000000"/>
-              </a:solidFill>
-              <a:latin typeface="나눔고딕"/>
-              <a:ea typeface="나눔고딕"/>
-            </a:endParaRPr>
           </a:p>
           <a:p>
             <a:pPr marL="399840" lvl="0" indent="-399840" algn="l" defTabSz="914400" rtl="0" eaLnBrk="1" latinLnBrk="0" hangingPunct="1">
@@ -4809,7 +4812,7 @@
               <a:defRPr/>
             </a:pPr>
             <a:r>
-              <a:rPr xmlns:mc="http://schemas.openxmlformats.org/markup-compatibility/2006" xmlns:hp="http://schemas.haansoft.com/office/presentation/8.0" kumimoji="0" lang="ko-KR" altLang="en-US" sz="2800" b="1" i="0" u="none" strike="noStrike" kern="1200" cap="none" spc="0" normalizeH="0" baseline="0" mc:Ignorable="hp" hp:hslEmbossed="0">
+              <a:rPr kumimoji="0" lang="ko-KR" altLang="en-US" sz="2800" b="1" i="0" u="none" strike="noStrike" kern="1200" cap="none" spc="0" normalizeH="0" baseline="0">
                 <a:solidFill>
                   <a:srgbClr val="000000"/>
                 </a:solidFill>
@@ -4818,13 +4821,6 @@
               </a:rPr>
               <a:t>페이지네이션</a:t>
             </a:r>
-            <a:endParaRPr xmlns:mc="http://schemas.openxmlformats.org/markup-compatibility/2006" xmlns:hp="http://schemas.haansoft.com/office/presentation/8.0" kumimoji="0" lang="ko-KR" altLang="en-US" sz="2800" b="1" i="0" u="none" strike="noStrike" kern="1200" cap="none" spc="0" normalizeH="0" baseline="0" mc:Ignorable="hp" hp:hslEmbossed="0">
-              <a:solidFill>
-                <a:srgbClr val="000000"/>
-              </a:solidFill>
-              <a:latin typeface="나눔고딕"/>
-              <a:ea typeface="나눔고딕"/>
-            </a:endParaRPr>
           </a:p>
           <a:p>
             <a:pPr marL="399840" lvl="0" indent="-399840" algn="l" defTabSz="914400" rtl="0" eaLnBrk="1" latinLnBrk="0" hangingPunct="1">
@@ -4842,7 +4838,7 @@
               <a:defRPr/>
             </a:pPr>
             <a:r>
-              <a:rPr xmlns:mc="http://schemas.openxmlformats.org/markup-compatibility/2006" xmlns:hp="http://schemas.haansoft.com/office/presentation/8.0" kumimoji="0" lang="ko-KR" altLang="en-US" sz="2800" b="1" i="0" u="none" strike="noStrike" kern="1200" cap="none" spc="0" normalizeH="0" baseline="0" mc:Ignorable="hp" hp:hslEmbossed="0">
+              <a:rPr kumimoji="0" lang="ko-KR" altLang="en-US" sz="2800" b="1" i="0" u="none" strike="noStrike" kern="1200" cap="none" spc="0" normalizeH="0" baseline="0">
                 <a:solidFill>
                   <a:srgbClr val="000000"/>
                 </a:solidFill>
@@ -4852,7 +4848,7 @@
               <a:t>커뮤니티 </a:t>
             </a:r>
             <a:r>
-              <a:rPr xmlns:mc="http://schemas.openxmlformats.org/markup-compatibility/2006" xmlns:hp="http://schemas.haansoft.com/office/presentation/8.0" kumimoji="0" lang="en-US" altLang="ko-KR" sz="2800" b="1" i="0" u="none" strike="noStrike" kern="1200" cap="none" spc="0" normalizeH="0" baseline="0" mc:Ignorable="hp" hp:hslEmbossed="0">
+              <a:rPr kumimoji="0" lang="en-US" altLang="ko-KR" sz="2800" b="1" i="0" u="none" strike="noStrike" kern="1200" cap="none" spc="0" normalizeH="0" baseline="0">
                 <a:solidFill>
                   <a:srgbClr val="000000"/>
                 </a:solidFill>
@@ -4861,13 +4857,6 @@
               </a:rPr>
               <a:t>BACK &amp; FRONT</a:t>
             </a:r>
-            <a:endParaRPr xmlns:mc="http://schemas.openxmlformats.org/markup-compatibility/2006" xmlns:hp="http://schemas.haansoft.com/office/presentation/8.0" kumimoji="0" lang="en-US" altLang="ko-KR" sz="2800" b="1" i="0" u="none" strike="noStrike" kern="1200" cap="none" spc="0" normalizeH="0" baseline="0" mc:Ignorable="hp" hp:hslEmbossed="0">
-              <a:solidFill>
-                <a:srgbClr val="000000"/>
-              </a:solidFill>
-              <a:latin typeface="나눔고딕"/>
-              <a:ea typeface="나눔고딕"/>
-            </a:endParaRPr>
           </a:p>
           <a:p>
             <a:pPr marL="399840" lvl="0" indent="-399840" algn="l" defTabSz="914400" rtl="0" eaLnBrk="1" latinLnBrk="0" hangingPunct="1">
@@ -4885,7 +4874,7 @@
               <a:defRPr/>
             </a:pPr>
             <a:r>
-              <a:rPr xmlns:mc="http://schemas.openxmlformats.org/markup-compatibility/2006" xmlns:hp="http://schemas.haansoft.com/office/presentation/8.0" kumimoji="0" lang="ko-KR" altLang="en-US" sz="2800" b="1" i="0" u="none" strike="noStrike" kern="1200" cap="none" spc="0" normalizeH="0" baseline="0" mc:Ignorable="hp" hp:hslEmbossed="0">
+              <a:rPr kumimoji="0" lang="ko-KR" altLang="en-US" sz="2800" b="1" i="0" u="none" strike="noStrike" kern="1200" cap="none" spc="0" normalizeH="0" baseline="0">
                 <a:solidFill>
                   <a:srgbClr val="000000"/>
                 </a:solidFill>
@@ -4895,7 +4884,7 @@
               <a:t>회원가입</a:t>
             </a:r>
             <a:r>
-              <a:rPr xmlns:mc="http://schemas.openxmlformats.org/markup-compatibility/2006" xmlns:hp="http://schemas.haansoft.com/office/presentation/8.0" kumimoji="0" lang="en-US" altLang="ko-KR" sz="2800" b="1" i="0" u="none" strike="noStrike" kern="1200" cap="none" spc="0" normalizeH="0" baseline="0" mc:Ignorable="hp" hp:hslEmbossed="0">
+              <a:rPr kumimoji="0" lang="en-US" altLang="ko-KR" sz="2800" b="1" i="0" u="none" strike="noStrike" kern="1200" cap="none" spc="0" normalizeH="0" baseline="0">
                 <a:solidFill>
                   <a:srgbClr val="000000"/>
                 </a:solidFill>
@@ -4905,7 +4894,7 @@
               <a:t>/</a:t>
             </a:r>
             <a:r>
-              <a:rPr xmlns:mc="http://schemas.openxmlformats.org/markup-compatibility/2006" xmlns:hp="http://schemas.haansoft.com/office/presentation/8.0" kumimoji="0" lang="ko-KR" altLang="en-US" sz="2800" b="1" i="0" u="none" strike="noStrike" kern="1200" cap="none" spc="0" normalizeH="0" baseline="0" mc:Ignorable="hp" hp:hslEmbossed="0">
+              <a:rPr kumimoji="0" lang="ko-KR" altLang="en-US" sz="2800" b="1" i="0" u="none" strike="noStrike" kern="1200" cap="none" spc="0" normalizeH="0" baseline="0">
                 <a:solidFill>
                   <a:srgbClr val="000000"/>
                 </a:solidFill>
@@ -4915,7 +4904,7 @@
               <a:t>로그인 </a:t>
             </a:r>
             <a:r>
-              <a:rPr xmlns:mc="http://schemas.openxmlformats.org/markup-compatibility/2006" xmlns:hp="http://schemas.haansoft.com/office/presentation/8.0" kumimoji="0" lang="en-US" altLang="ko-KR" sz="2800" b="1" i="0" u="none" strike="noStrike" kern="1200" cap="none" spc="0" normalizeH="0" baseline="0" mc:Ignorable="hp" hp:hslEmbossed="0">
+              <a:rPr kumimoji="0" lang="en-US" altLang="ko-KR" sz="2800" b="1" i="0" u="none" strike="noStrike" kern="1200" cap="none" spc="0" normalizeH="0" baseline="0">
                 <a:solidFill>
                   <a:srgbClr val="000000"/>
                 </a:solidFill>
@@ -4924,13 +4913,6 @@
               </a:rPr>
               <a:t>BACK &amp; FRONT</a:t>
             </a:r>
-            <a:endParaRPr xmlns:mc="http://schemas.openxmlformats.org/markup-compatibility/2006" xmlns:hp="http://schemas.haansoft.com/office/presentation/8.0" kumimoji="0" lang="en-US" altLang="ko-KR" sz="2800" b="1" i="0" u="none" strike="noStrike" kern="1200" cap="none" spc="0" normalizeH="0" baseline="0" mc:Ignorable="hp" hp:hslEmbossed="0">
-              <a:solidFill>
-                <a:srgbClr val="000000"/>
-              </a:solidFill>
-              <a:latin typeface="나눔고딕"/>
-              <a:ea typeface="나눔고딕"/>
-            </a:endParaRPr>
           </a:p>
         </p:txBody>
       </p:sp>
@@ -4943,13 +4925,14 @@
 </file>
 
 <file path=ppt/slides/slide5.xml><?xml version="1.0" encoding="utf-8"?>
-<p:sld xmlns:r="http://schemas.openxmlformats.org/officeDocument/2006/relationships" xmlns:c="http://schemas.openxmlformats.org/drawingml/2006/chart" xmlns:a="http://schemas.openxmlformats.org/drawingml/2006/main" xmlns:dgm="http://schemas.openxmlformats.org/drawingml/2006/diagram" xmlns:dsp="http://schemas.microsoft.com/office/drawing/2008/diagram" xmlns:p="http://schemas.openxmlformats.org/presentationml/2006/main">
+<p:sld xmlns:a="http://schemas.openxmlformats.org/drawingml/2006/main" xmlns:r="http://schemas.openxmlformats.org/officeDocument/2006/relationships" xmlns:p="http://schemas.openxmlformats.org/presentationml/2006/main">
   <p:cSld name="Slide 6">
     <p:bg>
-      <p:bgPr shadeToTitle="0">
+      <p:bgPr>
         <a:solidFill>
-          <a:srgbClr val="ffffff"/>
+          <a:srgbClr val="FFFFFF"/>
         </a:solidFill>
+        <a:effectLst/>
       </p:bgPr>
     </p:bg>
     <p:spTree>
@@ -4975,7 +4958,7 @@
           <p:nvPr/>
         </p:nvPicPr>
         <p:blipFill>
-          <a:blip r:embed="rId3" cstate="print"/>
+          <a:blip r:embed="rId2" cstate="print"/>
           <a:stretch>
             <a:fillRect/>
           </a:stretch>
@@ -5013,7 +4996,7 @@
             <p:nvPr/>
           </p:nvPicPr>
           <p:blipFill>
-            <a:blip r:embed="rId4" cstate="print"/>
+            <a:blip r:embed="rId3" cstate="print"/>
             <a:stretch>
               <a:fillRect/>
             </a:stretch>
@@ -5038,7 +5021,7 @@
           <p:nvPr/>
         </p:nvPicPr>
         <p:blipFill>
-          <a:blip r:embed="rId5" cstate="print"/>
+          <a:blip r:embed="rId4" cstate="print"/>
           <a:stretch>
             <a:fillRect/>
           </a:stretch>
@@ -5062,7 +5045,7 @@
           <p:nvPr/>
         </p:nvPicPr>
         <p:blipFill rotWithShape="1">
-          <a:blip r:embed="rId6"/>
+          <a:blip r:embed="rId5"/>
           <a:stretch>
             <a:fillRect/>
           </a:stretch>
@@ -5086,7 +5069,7 @@
           <p:nvPr/>
         </p:nvPicPr>
         <p:blipFill rotWithShape="1">
-          <a:blip r:embed="rId7"/>
+          <a:blip r:embed="rId6"/>
           <a:stretch>
             <a:fillRect/>
           </a:stretch>
@@ -5110,7 +5093,7 @@
           <p:nvPr/>
         </p:nvPicPr>
         <p:blipFill rotWithShape="1">
-          <a:blip r:embed="rId8"/>
+          <a:blip r:embed="rId7"/>
           <a:stretch>
             <a:fillRect/>
           </a:stretch>
@@ -5140,11 +5123,11 @@
             <a:avLst/>
           </a:prstGeom>
           <a:solidFill>
-            <a:srgbClr val="ffffff"/>
+            <a:srgbClr val="FFFFFF"/>
           </a:solidFill>
           <a:ln>
             <a:solidFill>
-              <a:srgbClr val="ffffff"/>
+              <a:srgbClr val="FFFFFF"/>
             </a:solidFill>
           </a:ln>
         </p:spPr>
@@ -5166,6 +5149,7 @@
         </p:style>
         <p:txBody>
           <a:bodyPr anchor="ctr"/>
+          <a:lstStyle/>
           <a:p>
             <a:pPr lvl="0" algn="ctr">
               <a:defRPr/>
@@ -5183,13 +5167,14 @@
 </file>
 
 <file path=ppt/slides/slide6.xml><?xml version="1.0" encoding="utf-8"?>
-<p:sld xmlns:r="http://schemas.openxmlformats.org/officeDocument/2006/relationships" xmlns:c="http://schemas.openxmlformats.org/drawingml/2006/chart" xmlns:a="http://schemas.openxmlformats.org/drawingml/2006/main" xmlns:dgm="http://schemas.openxmlformats.org/drawingml/2006/diagram" xmlns:dsp="http://schemas.microsoft.com/office/drawing/2008/diagram" xmlns:p="http://schemas.openxmlformats.org/presentationml/2006/main">
+<p:sld xmlns:a="http://schemas.openxmlformats.org/drawingml/2006/main" xmlns:r="http://schemas.openxmlformats.org/officeDocument/2006/relationships" xmlns:p="http://schemas.openxmlformats.org/presentationml/2006/main">
   <p:cSld name="Slide 7">
     <p:bg>
-      <p:bgPr shadeToTitle="0">
+      <p:bgPr>
         <a:solidFill>
-          <a:srgbClr val="ffffff"/>
+          <a:srgbClr val="FFFFFF"/>
         </a:solidFill>
+        <a:effectLst/>
       </p:bgPr>
     </p:bg>
     <p:spTree>
@@ -5213,7 +5198,7 @@
           <p:nvPr/>
         </p:nvGrpSpPr>
         <p:grpSpPr>
-          <a:xfrm rot="0">
+          <a:xfrm>
             <a:off x="2040569" y="576017"/>
             <a:ext cx="16095032" cy="10282482"/>
             <a:chOff x="1562008" y="1137434"/>
@@ -5276,7 +5261,7 @@
           <p:nvPr/>
         </p:nvGrpSpPr>
         <p:grpSpPr>
-          <a:xfrm rot="0">
+          <a:xfrm>
             <a:off x="2401816" y="952500"/>
             <a:ext cx="1027184" cy="256340"/>
             <a:chOff x="2873303" y="1428349"/>
@@ -5370,7 +5355,7 @@
             <p:nvPr/>
           </p:nvPicPr>
           <p:blipFill>
-            <a:blip r:embed="rId6" cstate="print"/>
+            <a:blip r:embed="rId5" cstate="print"/>
             <a:stretch>
               <a:fillRect/>
             </a:stretch>
@@ -5395,7 +5380,7 @@
           <p:nvPr/>
         </p:nvPicPr>
         <p:blipFill rotWithShape="1">
-          <a:blip r:embed="rId7"/>
+          <a:blip r:embed="rId6"/>
           <a:stretch>
             <a:fillRect/>
           </a:stretch>
@@ -5419,13 +5404,14 @@
 </file>
 
 <file path=ppt/slides/slide7.xml><?xml version="1.0" encoding="utf-8"?>
-<p:sld xmlns:r="http://schemas.openxmlformats.org/officeDocument/2006/relationships" xmlns:c="http://schemas.openxmlformats.org/drawingml/2006/chart" xmlns:a="http://schemas.openxmlformats.org/drawingml/2006/main" xmlns:dgm="http://schemas.openxmlformats.org/drawingml/2006/diagram" xmlns:dsp="http://schemas.microsoft.com/office/drawing/2008/diagram" xmlns:p="http://schemas.openxmlformats.org/presentationml/2006/main">
+<p:sld xmlns:a="http://schemas.openxmlformats.org/drawingml/2006/main" xmlns:r="http://schemas.openxmlformats.org/officeDocument/2006/relationships" xmlns:p="http://schemas.openxmlformats.org/presentationml/2006/main">
   <p:cSld name="Slide 8">
     <p:bg>
-      <p:bgPr shadeToTitle="0">
+      <p:bgPr>
         <a:solidFill>
-          <a:srgbClr val="ffffff"/>
+          <a:srgbClr val="FFFFFF"/>
         </a:solidFill>
+        <a:effectLst/>
       </p:bgPr>
     </p:bg>
     <p:spTree>
@@ -5473,7 +5459,7 @@
           <p:nvPr/>
         </p:nvGrpSpPr>
         <p:grpSpPr>
-          <a:xfrm rot="0">
+          <a:xfrm>
             <a:off x="2167963" y="1087879"/>
             <a:ext cx="1027184" cy="256340"/>
             <a:chOff x="2873303" y="1428349"/>
@@ -5567,7 +5553,7 @@
             <p:nvPr/>
           </p:nvPicPr>
           <p:blipFill>
-            <a:blip r:embed="rId5" cstate="print"/>
+            <a:blip r:embed="rId4" cstate="print"/>
             <a:stretch>
               <a:fillRect/>
             </a:stretch>
@@ -5583,45 +5569,6 @@
           </p:spPr>
         </p:pic>
       </p:grpSp>
-      <p:grpSp>
-        <p:nvGrpSpPr>
-          <p:cNvPr id="1004" name="그룹 1004"/>
-          <p:cNvGrpSpPr/>
-          <p:nvPr/>
-        </p:nvGrpSpPr>
-        <p:grpSpPr>
-          <a:xfrm rot="0">
-            <a:off x="2895600" y="764958"/>
-            <a:ext cx="14596131" cy="8757085"/>
-            <a:chOff x="1854730" y="1946021"/>
-            <a:chExt cx="14596131" cy="8757085"/>
-          </a:xfrm>
-        </p:grpSpPr>
-        <p:pic>
-          <p:nvPicPr>
-            <p:cNvPr id="13" name="Object 12"/>
-            <p:cNvPicPr>
-              <a:picLocks noChangeAspect="1"/>
-            </p:cNvPicPr>
-            <p:nvPr/>
-          </p:nvPicPr>
-          <p:blipFill rotWithShape="1">
-            <a:blip r:embed="rId6"/>
-            <a:stretch>
-              <a:fillRect/>
-            </a:stretch>
-          </p:blipFill>
-          <p:spPr>
-            <a:xfrm>
-              <a:off x="1854730" y="1946021"/>
-              <a:ext cx="14596131" cy="8757085"/>
-            </a:xfrm>
-            <a:prstGeom prst="rect">
-              <a:avLst/>
-            </a:prstGeom>
-          </p:spPr>
-        </p:pic>
-      </p:grpSp>
       <p:pic>
         <p:nvPicPr>
           <p:cNvPr id="15" name="Object 14"/>
@@ -5631,7 +5578,7 @@
           <p:nvPr/>
         </p:nvPicPr>
         <p:blipFill rotWithShape="1">
-          <a:blip r:embed="rId7"/>
+          <a:blip r:embed="rId5"/>
           <a:stretch>
             <a:fillRect/>
           </a:stretch>
@@ -5640,6 +5587,35 @@
           <a:xfrm>
             <a:off x="140625" y="-414134"/>
             <a:ext cx="3173281" cy="2890634"/>
+          </a:xfrm>
+          <a:prstGeom prst="rect">
+            <a:avLst/>
+          </a:prstGeom>
+        </p:spPr>
+      </p:pic>
+      <p:pic>
+        <p:nvPicPr>
+          <p:cNvPr id="3" name="그림 2"/>
+          <p:cNvPicPr>
+            <a:picLocks noChangeAspect="1"/>
+          </p:cNvPicPr>
+          <p:nvPr/>
+        </p:nvPicPr>
+        <p:blipFill rotWithShape="1">
+          <a:blip r:embed="rId6">
+            <a:extLst>
+              <a:ext uri="{28A0092B-C50C-407E-A947-70E740481C1C}">
+                <a14:useLocalDpi xmlns:a14="http://schemas.microsoft.com/office/drawing/2010/main" val="0"/>
+              </a:ext>
+            </a:extLst>
+          </a:blip>
+          <a:srcRect l="673" t="7233" r="746" b="1606"/>
+          <a:stretch/>
+        </p:blipFill>
+        <p:spPr>
+          <a:xfrm>
+            <a:off x="2286000" y="1031183"/>
+            <a:ext cx="14859000" cy="9124101"/>
           </a:xfrm>
           <a:prstGeom prst="rect">
             <a:avLst/>
@@ -5655,13 +5631,14 @@
 </file>
 
 <file path=ppt/slides/slide8.xml><?xml version="1.0" encoding="utf-8"?>
-<p:sld xmlns:r="http://schemas.openxmlformats.org/officeDocument/2006/relationships" xmlns:c="http://schemas.openxmlformats.org/drawingml/2006/chart" xmlns:a="http://schemas.openxmlformats.org/drawingml/2006/main" xmlns:dgm="http://schemas.openxmlformats.org/drawingml/2006/diagram" xmlns:dsp="http://schemas.microsoft.com/office/drawing/2008/diagram" xmlns:p="http://schemas.openxmlformats.org/presentationml/2006/main">
+<p:sld xmlns:a="http://schemas.openxmlformats.org/drawingml/2006/main" xmlns:r="http://schemas.openxmlformats.org/officeDocument/2006/relationships" xmlns:p="http://schemas.openxmlformats.org/presentationml/2006/main">
   <p:cSld name="Slide 4">
     <p:bg>
-      <p:bgPr shadeToTitle="0">
+      <p:bgPr>
         <a:solidFill>
-          <a:srgbClr val="ffffff"/>
+          <a:srgbClr val="FFFFFF"/>
         </a:solidFill>
+        <a:effectLst/>
       </p:bgPr>
     </p:bg>
     <p:spTree>
@@ -5892,7 +5869,7 @@
           <p:nvPr/>
         </p:nvGrpSpPr>
         <p:grpSpPr>
-          <a:xfrm rot="0">
+          <a:xfrm>
             <a:off x="2384625" y="3230802"/>
             <a:ext cx="2844360" cy="2657240"/>
             <a:chOff x="2779960" y="3230802"/>
@@ -5931,7 +5908,7 @@
           <p:nvPr/>
         </p:nvGrpSpPr>
         <p:grpSpPr>
-          <a:xfrm rot="0">
+          <a:xfrm>
             <a:off x="7932353" y="3519202"/>
             <a:ext cx="2896087" cy="2463528"/>
             <a:chOff x="8327689" y="3519202"/>
@@ -5970,7 +5947,7 @@
           <p:nvPr/>
         </p:nvGrpSpPr>
         <p:grpSpPr>
-          <a:xfrm rot="0">
+          <a:xfrm>
             <a:off x="13432386" y="3568284"/>
             <a:ext cx="3061222" cy="2153019"/>
             <a:chOff x="13827721" y="3568284"/>
@@ -6011,13 +5988,14 @@
 </file>
 
 <file path=ppt/slides/slide9.xml><?xml version="1.0" encoding="utf-8"?>
-<p:sld xmlns:r="http://schemas.openxmlformats.org/officeDocument/2006/relationships" xmlns:c="http://schemas.openxmlformats.org/drawingml/2006/chart" xmlns:a="http://schemas.openxmlformats.org/drawingml/2006/main" xmlns:dgm="http://schemas.openxmlformats.org/drawingml/2006/diagram" xmlns:dsp="http://schemas.microsoft.com/office/drawing/2008/diagram" xmlns:p="http://schemas.openxmlformats.org/presentationml/2006/main">
+<p:sld xmlns:a="http://schemas.openxmlformats.org/drawingml/2006/main" xmlns:r="http://schemas.openxmlformats.org/officeDocument/2006/relationships" xmlns:p="http://schemas.openxmlformats.org/presentationml/2006/main">
   <p:cSld name="Slide 9">
     <p:bg>
-      <p:bgPr shadeToTitle="0">
+      <p:bgPr>
         <a:solidFill>
-          <a:srgbClr val="ffffff"/>
+          <a:srgbClr val="FFFFFF"/>
         </a:solidFill>
+        <a:effectLst/>
       </p:bgPr>
     </p:bg>
     <p:spTree>
@@ -6041,7 +6019,7 @@
           <p:nvPr/>
         </p:nvGrpSpPr>
         <p:grpSpPr>
-          <a:xfrm rot="0">
+          <a:xfrm>
             <a:off x="3352801" y="3878526"/>
             <a:ext cx="9138297" cy="121973"/>
             <a:chOff x="2839930" y="5865926"/>
@@ -6128,7 +6106,7 @@
           <p:nvPr/>
         </p:nvGrpSpPr>
         <p:grpSpPr>
-          <a:xfrm rot="0">
+          <a:xfrm>
             <a:off x="1737773" y="2324100"/>
             <a:ext cx="1277987" cy="1277987"/>
             <a:chOff x="2861734" y="4244385"/>
@@ -6179,6 +6157,7 @@
           <a:bodyPr wrap="none">
             <a:spAutoFit/>
           </a:bodyPr>
+          <a:lstStyle/>
           <a:p>
             <a:pPr lvl="0">
               <a:defRPr/>
@@ -6190,10 +6169,6 @@
               </a:rPr>
               <a:t>VUE</a:t>
             </a:r>
-            <a:endParaRPr lang="en-US" altLang="ko-KR" sz="3500" b="1">
-              <a:latin typeface="Franklin Gothic Demi"/>
-              <a:ea typeface="나눔고딕"/>
-            </a:endParaRPr>
           </a:p>
         </p:txBody>
       </p:sp>
@@ -6206,7 +6181,7 @@
         <p:spPr>
           <a:xfrm>
             <a:off x="3489960" y="2268855"/>
-            <a:ext cx="6568441" cy="596265"/>
+            <a:ext cx="7559040" cy="596265"/>
           </a:xfrm>
           <a:prstGeom prst="rect">
             <a:avLst/>
@@ -6216,49 +6191,46 @@
           <a:bodyPr wrap="square">
             <a:spAutoFit/>
           </a:bodyPr>
+          <a:lstStyle/>
           <a:p>
             <a:pPr lvl="0">
               <a:defRPr/>
             </a:pPr>
             <a:r>
-              <a:rPr lang="ko-KR" altLang="en-US" sz="3300">
+              <a:rPr lang="ko-KR" altLang="en-US" sz="3300" dirty="0">
                 <a:latin typeface="나눔고딕"/>
                 <a:ea typeface="나눔고딕"/>
               </a:rPr>
               <a:t>사용자가 영화 최대 </a:t>
             </a:r>
             <a:r>
-              <a:rPr lang="en-US" altLang="ko-KR" sz="3300">
+              <a:rPr lang="en-US" altLang="ko-KR" sz="3300" dirty="0">
                 <a:latin typeface="나눔고딕"/>
                 <a:ea typeface="나눔고딕"/>
               </a:rPr>
               <a:t>2</a:t>
             </a:r>
             <a:r>
-              <a:rPr lang="ko-KR" altLang="en-US" sz="3300">
+              <a:rPr lang="ko-KR" altLang="en-US" sz="3300" dirty="0">
                 <a:latin typeface="나눔고딕"/>
                 <a:ea typeface="나눔고딕"/>
               </a:rPr>
               <a:t>개 </a:t>
             </a:r>
             <a:r>
-              <a:rPr lang="en-US" altLang="ko-KR" sz="3300">
+              <a:rPr lang="en-US" altLang="ko-KR" sz="3300" dirty="0">
                 <a:latin typeface="나눔고딕"/>
                 <a:ea typeface="나눔고딕"/>
               </a:rPr>
               <a:t>+</a:t>
             </a:r>
             <a:r>
-              <a:rPr lang="ko-KR" altLang="en-US" sz="3300">
+              <a:rPr lang="ko-KR" altLang="en-US" sz="3300" dirty="0">
                 <a:latin typeface="나눔고딕"/>
                 <a:ea typeface="나눔고딕"/>
               </a:rPr>
               <a:t> 화가 선택</a:t>
             </a:r>
-            <a:endParaRPr lang="ko-KR" altLang="en-US" sz="3300">
-              <a:latin typeface="나눔고딕"/>
-              <a:ea typeface="나눔고딕"/>
-            </a:endParaRPr>
           </a:p>
         </p:txBody>
       </p:sp>
@@ -6270,8 +6242,8 @@
         </p:nvSpPr>
         <p:spPr>
           <a:xfrm>
-            <a:off x="3465195" y="2933700"/>
-            <a:ext cx="7583806" cy="588645"/>
+            <a:off x="3465194" y="2933700"/>
+            <a:ext cx="9025903" cy="600164"/>
           </a:xfrm>
           <a:prstGeom prst="rect">
             <a:avLst/>
@@ -6281,6 +6253,7 @@
           <a:bodyPr wrap="square">
             <a:spAutoFit/>
           </a:bodyPr>
+          <a:lstStyle/>
           <a:p>
             <a:pPr marL="0" lvl="0" indent="0" algn="l" defTabSz="914400" rtl="0" eaLnBrk="1" latinLnBrk="0" hangingPunct="1">
               <a:lnSpc>
@@ -6296,7 +6269,7 @@
               <a:defRPr/>
             </a:pPr>
             <a:r>
-              <a:rPr xmlns:mc="http://schemas.openxmlformats.org/markup-compatibility/2006" xmlns:hp="http://schemas.haansoft.com/office/presentation/8.0" kumimoji="0" lang="en-US" altLang="ko-KR" sz="3300" b="0" i="0" u="none" strike="noStrike" kern="1200" cap="none" spc="0" normalizeH="0" baseline="0" mc:Ignorable="hp" hp:hslEmbossed="0">
+              <a:rPr kumimoji="0" lang="en-US" altLang="ko-KR" sz="3300" b="0" i="0" u="none" strike="noStrike" kern="1200" cap="none" spc="0" normalizeH="0" baseline="0" dirty="0">
                 <a:solidFill>
                   <a:srgbClr val="000000"/>
                 </a:solidFill>
@@ -6306,7 +6279,7 @@
               <a:t>variable routing</a:t>
             </a:r>
             <a:r>
-              <a:rPr xmlns:mc="http://schemas.openxmlformats.org/markup-compatibility/2006" xmlns:hp="http://schemas.haansoft.com/office/presentation/8.0" kumimoji="0" lang="ko-KR" altLang="en-US" sz="3300" b="0" i="0" u="none" strike="noStrike" kern="1200" cap="none" spc="0" normalizeH="0" baseline="0" mc:Ignorable="hp" hp:hslEmbossed="0">
+              <a:rPr kumimoji="0" lang="ko-KR" altLang="en-US" sz="3300" b="0" i="0" u="none" strike="noStrike" kern="1200" cap="none" spc="0" normalizeH="0" baseline="0" dirty="0">
                 <a:solidFill>
                   <a:srgbClr val="000000"/>
                 </a:solidFill>
@@ -6315,24 +6288,17 @@
               </a:rPr>
               <a:t>으로 장고에 데이터 전달</a:t>
             </a:r>
-            <a:endParaRPr xmlns:mc="http://schemas.openxmlformats.org/markup-compatibility/2006" xmlns:hp="http://schemas.haansoft.com/office/presentation/8.0" kumimoji="0" lang="ko-KR" altLang="en-US" sz="3300" b="0" i="0" u="none" strike="noStrike" kern="1200" cap="none" spc="0" normalizeH="0" baseline="0" mc:Ignorable="hp" hp:hslEmbossed="0">
-              <a:solidFill>
-                <a:srgbClr val="000000"/>
-              </a:solidFill>
-              <a:latin typeface="나눔고딕"/>
-              <a:ea typeface="나눔고딕"/>
-            </a:endParaRPr>
           </a:p>
         </p:txBody>
       </p:sp>
       <p:grpSp>
         <p:nvGrpSpPr>
-          <p:cNvPr id="1013" name=""/>
+          <p:cNvPr id="1013" name="그룹 1012"/>
           <p:cNvGrpSpPr/>
           <p:nvPr/>
         </p:nvGrpSpPr>
         <p:grpSpPr>
-          <a:xfrm rot="0">
+          <a:xfrm>
             <a:off x="15562213" y="4914900"/>
             <a:ext cx="1277987" cy="1277987"/>
             <a:chOff x="5452534" y="4284660"/>
@@ -6346,7 +6312,7 @@
             <p:nvPr/>
           </p:nvGrpSpPr>
           <p:grpSpPr>
-            <a:xfrm rot="0">
+            <a:xfrm>
               <a:off x="5452534" y="4284660"/>
               <a:ext cx="1277987" cy="1277987"/>
               <a:chOff x="2861734" y="6273480"/>
@@ -6397,6 +6363,7 @@
             <a:bodyPr wrap="square">
               <a:spAutoFit/>
             </a:bodyPr>
+            <a:lstStyle/>
             <a:p>
               <a:pPr lvl="0">
                 <a:defRPr/>
@@ -6409,11 +6376,6 @@
                 </a:rPr>
                 <a:t>django</a:t>
               </a:r>
-              <a:endParaRPr lang="en-US" altLang="ko-KR" sz="2500" b="1">
-                <a:solidFill>
-                  <a:schemeClr val="lt1"/>
-                </a:solidFill>
-              </a:endParaRPr>
             </a:p>
           </p:txBody>
         </p:sp>
@@ -6426,7 +6388,7 @@
         </p:nvSpPr>
         <p:spPr>
           <a:xfrm>
-            <a:off x="6475095" y="4326255"/>
+            <a:off x="6174099" y="4324215"/>
             <a:ext cx="8841106" cy="596265"/>
           </a:xfrm>
           <a:prstGeom prst="rect">
@@ -6437,6 +6399,7 @@
           <a:bodyPr wrap="none">
             <a:spAutoFit/>
           </a:bodyPr>
+          <a:lstStyle/>
           <a:p>
             <a:pPr lvl="0">
               <a:defRPr/>
@@ -6469,10 +6432,6 @@
               </a:rPr>
               <a:t>영문 번역</a:t>
             </a:r>
-            <a:endParaRPr lang="ko-KR" altLang="en-US" sz="3300">
-              <a:latin typeface="나눔고딕"/>
-              <a:ea typeface="나눔고딕"/>
-            </a:endParaRPr>
           </a:p>
         </p:txBody>
       </p:sp>
@@ -6484,8 +6443,8 @@
         </p:nvSpPr>
         <p:spPr>
           <a:xfrm>
-            <a:off x="8839201" y="4991100"/>
-            <a:ext cx="6444615" cy="596265"/>
+            <a:off x="8458201" y="4991100"/>
+            <a:ext cx="6825616" cy="596265"/>
           </a:xfrm>
           <a:prstGeom prst="rect">
             <a:avLst/>
@@ -6495,6 +6454,7 @@
           <a:bodyPr wrap="square">
             <a:spAutoFit/>
           </a:bodyPr>
+          <a:lstStyle/>
           <a:p>
             <a:pPr marL="0" lvl="0" indent="0" algn="l" defTabSz="914400" rtl="0" eaLnBrk="1" latinLnBrk="0" hangingPunct="1">
               <a:lnSpc>
@@ -6510,7 +6470,7 @@
               <a:defRPr/>
             </a:pPr>
             <a:r>
-              <a:rPr xmlns:mc="http://schemas.openxmlformats.org/markup-compatibility/2006" xmlns:hp="http://schemas.haansoft.com/office/presentation/8.0" kumimoji="0" lang="ko-KR" altLang="en-US" sz="3300" b="0" i="0" u="none" strike="noStrike" kern="1200" cap="none" spc="0" normalizeH="0" baseline="0" mc:Ignorable="hp" hp:hslEmbossed="0">
+              <a:rPr kumimoji="0" lang="ko-KR" altLang="en-US" sz="3300" b="0" i="0" u="none" strike="noStrike" kern="1200" cap="none" spc="0" normalizeH="0" baseline="0" dirty="0">
                 <a:solidFill>
                   <a:srgbClr val="000000"/>
                 </a:solidFill>
@@ -6520,17 +6480,27 @@
               <a:t>카카오 서버에 </a:t>
             </a:r>
             <a:r>
-              <a:rPr xmlns:mc="http://schemas.openxmlformats.org/markup-compatibility/2006" xmlns:hp="http://schemas.haansoft.com/office/presentation/8.0" kumimoji="0" lang="en-US" altLang="ko-KR" sz="3300" b="0" i="0" u="none" strike="noStrike" kern="1200" cap="none" spc="0" normalizeH="0" baseline="0" mc:Ignorable="hp" hp:hslEmbossed="0">
+              <a:rPr kumimoji="0" lang="en-US" altLang="ko-KR" sz="3300" b="0" i="0" u="none" strike="noStrike" kern="1200" cap="none" spc="0" normalizeH="0" baseline="0" dirty="0" err="1">
                 <a:solidFill>
                   <a:srgbClr val="000000"/>
                 </a:solidFill>
                 <a:latin typeface="나눔고딕"/>
                 <a:ea typeface="나눔고딕"/>
               </a:rPr>
-              <a:t>Karlo REST</a:t>
-            </a:r>
-            <a:r>
-              <a:rPr xmlns:mc="http://schemas.openxmlformats.org/markup-compatibility/2006" xmlns:hp="http://schemas.haansoft.com/office/presentation/8.0" kumimoji="0" lang="ko-KR" altLang="en-US" sz="3300" b="0" i="0" u="none" strike="noStrike" kern="1200" cap="none" spc="0" normalizeH="0" baseline="0" mc:Ignorable="hp" hp:hslEmbossed="0">
+              <a:t>Karlo</a:t>
+            </a:r>
+            <a:r>
+              <a:rPr kumimoji="0" lang="en-US" altLang="ko-KR" sz="3300" b="0" i="0" u="none" strike="noStrike" kern="1200" cap="none" spc="0" normalizeH="0" baseline="0" dirty="0">
+                <a:solidFill>
+                  <a:srgbClr val="000000"/>
+                </a:solidFill>
+                <a:latin typeface="나눔고딕"/>
+                <a:ea typeface="나눔고딕"/>
+              </a:rPr>
+              <a:t> REST</a:t>
+            </a:r>
+            <a:r>
+              <a:rPr kumimoji="0" lang="ko-KR" altLang="en-US" sz="3300" b="0" i="0" u="none" strike="noStrike" kern="1200" cap="none" spc="0" normalizeH="0" baseline="0" dirty="0">
                 <a:solidFill>
                   <a:srgbClr val="000000"/>
                 </a:solidFill>
@@ -6540,7 +6510,7 @@
               <a:t> </a:t>
             </a:r>
             <a:r>
-              <a:rPr xmlns:mc="http://schemas.openxmlformats.org/markup-compatibility/2006" xmlns:hp="http://schemas.haansoft.com/office/presentation/8.0" kumimoji="0" lang="en-US" altLang="ko-KR" sz="3300" b="0" i="0" u="none" strike="noStrike" kern="1200" cap="none" spc="0" normalizeH="0" baseline="0" mc:Ignorable="hp" hp:hslEmbossed="0">
+              <a:rPr kumimoji="0" lang="en-US" altLang="ko-KR" sz="3300" b="0" i="0" u="none" strike="noStrike" kern="1200" cap="none" spc="0" normalizeH="0" baseline="0" dirty="0">
                 <a:solidFill>
                   <a:srgbClr val="000000"/>
                 </a:solidFill>
@@ -6550,7 +6520,7 @@
               <a:t>API</a:t>
             </a:r>
             <a:r>
-              <a:rPr xmlns:mc="http://schemas.openxmlformats.org/markup-compatibility/2006" xmlns:hp="http://schemas.haansoft.com/office/presentation/8.0" kumimoji="0" lang="ko-KR" altLang="en-US" sz="3300" b="0" i="0" u="none" strike="noStrike" kern="1200" cap="none" spc="0" normalizeH="0" baseline="0" mc:Ignorable="hp" hp:hslEmbossed="0">
+              <a:rPr kumimoji="0" lang="ko-KR" altLang="en-US" sz="3300" b="0" i="0" u="none" strike="noStrike" kern="1200" cap="none" spc="0" normalizeH="0" baseline="0" dirty="0">
                 <a:solidFill>
                   <a:srgbClr val="000000"/>
                 </a:solidFill>
@@ -6559,13 +6529,6 @@
               </a:rPr>
               <a:t>요청</a:t>
             </a:r>
-            <a:endParaRPr xmlns:mc="http://schemas.openxmlformats.org/markup-compatibility/2006" xmlns:hp="http://schemas.haansoft.com/office/presentation/8.0" kumimoji="0" lang="ko-KR" altLang="en-US" sz="3300" b="0" i="0" u="none" strike="noStrike" kern="1200" cap="none" spc="0" normalizeH="0" baseline="0" mc:Ignorable="hp" hp:hslEmbossed="0">
-              <a:solidFill>
-                <a:srgbClr val="000000"/>
-              </a:solidFill>
-              <a:latin typeface="나눔고딕"/>
-              <a:ea typeface="나눔고딕"/>
-            </a:endParaRPr>
           </a:p>
         </p:txBody>
       </p:sp>
@@ -6577,7 +6540,7 @@
         </p:nvSpPr>
         <p:spPr>
           <a:xfrm>
-            <a:off x="2183131" y="5690235"/>
+            <a:off x="1355414" y="5692413"/>
             <a:ext cx="13133070" cy="596265"/>
           </a:xfrm>
           <a:prstGeom prst="rect">
@@ -6588,6 +6551,7 @@
           <a:bodyPr wrap="none">
             <a:spAutoFit/>
           </a:bodyPr>
+          <a:lstStyle/>
           <a:p>
             <a:pPr marL="0" lvl="0" indent="0" algn="l" defTabSz="914400" rtl="0" eaLnBrk="1" latinLnBrk="0" hangingPunct="1">
               <a:lnSpc>
@@ -6603,17 +6567,27 @@
               <a:defRPr/>
             </a:pPr>
             <a:r>
-              <a:rPr xmlns:mc="http://schemas.openxmlformats.org/markup-compatibility/2006" xmlns:hp="http://schemas.haansoft.com/office/presentation/8.0" kumimoji="0" lang="ko-KR" altLang="en-US" sz="3300" b="0" i="0" u="none" strike="noStrike" kern="1200" cap="none" spc="0" normalizeH="0" baseline="0" mc:Ignorable="hp" hp:hslEmbossed="0">
+              <a:rPr kumimoji="0" lang="ko-KR" altLang="en-US" sz="3300" b="0" i="0" u="none" strike="noStrike" kern="1200" cap="none" spc="0" normalizeH="0" baseline="0" dirty="0" err="1">
                 <a:solidFill>
                   <a:srgbClr val="000000"/>
                 </a:solidFill>
                 <a:latin typeface="나눔고딕"/>
                 <a:ea typeface="나눔고딕"/>
               </a:rPr>
-              <a:t>응답받은 이미지 파일을 미디어 폴더에 저장 및 </a:t>
-            </a:r>
-            <a:r>
-              <a:rPr xmlns:mc="http://schemas.openxmlformats.org/markup-compatibility/2006" xmlns:hp="http://schemas.haansoft.com/office/presentation/8.0" kumimoji="0" lang="en-US" altLang="ko-KR" sz="3300" b="0" i="0" u="none" strike="noStrike" kern="1200" cap="none" spc="0" normalizeH="0" baseline="0" mc:Ignorable="hp" hp:hslEmbossed="0">
+              <a:t>응답받은</a:t>
+            </a:r>
+            <a:r>
+              <a:rPr kumimoji="0" lang="ko-KR" altLang="en-US" sz="3300" b="0" i="0" u="none" strike="noStrike" kern="1200" cap="none" spc="0" normalizeH="0" baseline="0" dirty="0">
+                <a:solidFill>
+                  <a:srgbClr val="000000"/>
+                </a:solidFill>
+                <a:latin typeface="나눔고딕"/>
+                <a:ea typeface="나눔고딕"/>
+              </a:rPr>
+              <a:t> 이미지 파일을 미디어 폴더에 저장 및 </a:t>
+            </a:r>
+            <a:r>
+              <a:rPr kumimoji="0" lang="en-US" altLang="ko-KR" sz="3300" b="0" i="0" u="none" strike="noStrike" kern="1200" cap="none" spc="0" normalizeH="0" baseline="0" dirty="0" err="1">
                 <a:solidFill>
                   <a:srgbClr val="000000"/>
                 </a:solidFill>
@@ -6623,7 +6597,7 @@
               <a:t>KarloImg</a:t>
             </a:r>
             <a:r>
-              <a:rPr xmlns:mc="http://schemas.openxmlformats.org/markup-compatibility/2006" xmlns:hp="http://schemas.haansoft.com/office/presentation/8.0" kumimoji="0" lang="ko-KR" altLang="en-US" sz="3300" b="0" i="0" u="none" strike="noStrike" kern="1200" cap="none" spc="0" normalizeH="0" baseline="0" mc:Ignorable="hp" hp:hslEmbossed="0">
+              <a:rPr kumimoji="0" lang="ko-KR" altLang="en-US" sz="3300" b="0" i="0" u="none" strike="noStrike" kern="1200" cap="none" spc="0" normalizeH="0" baseline="0" dirty="0">
                 <a:solidFill>
                   <a:srgbClr val="000000"/>
                 </a:solidFill>
@@ -6632,13 +6606,6 @@
               </a:rPr>
               <a:t>인스턴스로 생성</a:t>
             </a:r>
-            <a:endParaRPr xmlns:mc="http://schemas.openxmlformats.org/markup-compatibility/2006" xmlns:hp="http://schemas.haansoft.com/office/presentation/8.0" kumimoji="0" lang="ko-KR" altLang="en-US" sz="3300" b="0" i="0" u="none" strike="noStrike" kern="1200" cap="none" spc="0" normalizeH="0" baseline="0" mc:Ignorable="hp" hp:hslEmbossed="0">
-              <a:solidFill>
-                <a:srgbClr val="000000"/>
-              </a:solidFill>
-              <a:latin typeface="나눔고딕"/>
-              <a:ea typeface="나눔고딕"/>
-            </a:endParaRPr>
           </a:p>
         </p:txBody>
       </p:sp>
@@ -6650,7 +6617,7 @@
         </p:nvSpPr>
         <p:spPr>
           <a:xfrm>
-            <a:off x="7376157" y="6452235"/>
+            <a:off x="6934200" y="6430054"/>
             <a:ext cx="7940044" cy="596265"/>
           </a:xfrm>
           <a:prstGeom prst="rect">
@@ -6661,6 +6628,7 @@
           <a:bodyPr wrap="none">
             <a:spAutoFit/>
           </a:bodyPr>
+          <a:lstStyle/>
           <a:p>
             <a:pPr marL="0" lvl="0" indent="0" algn="l" defTabSz="914400" rtl="0" eaLnBrk="1" latinLnBrk="0" hangingPunct="1">
               <a:lnSpc>
@@ -6676,7 +6644,7 @@
               <a:defRPr/>
             </a:pPr>
             <a:r>
-              <a:rPr xmlns:mc="http://schemas.openxmlformats.org/markup-compatibility/2006" xmlns:hp="http://schemas.haansoft.com/office/presentation/8.0" kumimoji="0" lang="en-US" altLang="ko-KR" sz="3300" b="0" i="0" u="none" strike="noStrike" kern="1200" cap="none" spc="0" normalizeH="0" baseline="0" mc:Ignorable="hp" hp:hslEmbossed="0">
+              <a:rPr kumimoji="0" lang="en-US" altLang="ko-KR" sz="3300" b="0" i="0" u="none" strike="noStrike" kern="1200" cap="none" spc="0" normalizeH="0" baseline="0" dirty="0" err="1">
                 <a:solidFill>
                   <a:srgbClr val="000000"/>
                 </a:solidFill>
@@ -6686,22 +6654,35 @@
               <a:t>KarloImg</a:t>
             </a:r>
             <a:r>
-              <a:rPr xmlns:mc="http://schemas.openxmlformats.org/markup-compatibility/2006" xmlns:hp="http://schemas.haansoft.com/office/presentation/8.0" kumimoji="0" lang="ko-KR" altLang="en-US" sz="3300" b="0" i="0" u="none" strike="noStrike" kern="1200" cap="none" spc="0" normalizeH="0" baseline="0" mc:Ignorable="hp" hp:hslEmbossed="0">
+              <a:rPr kumimoji="0" lang="ko-KR" altLang="en-US" sz="3300" b="0" i="0" u="none" strike="noStrike" kern="1200" cap="none" spc="0" normalizeH="0" baseline="0" dirty="0">
                 <a:solidFill>
                   <a:srgbClr val="000000"/>
                 </a:solidFill>
                 <a:latin typeface="나눔고딕"/>
                 <a:ea typeface="나눔고딕"/>
               </a:rPr>
-              <a:t> 인스턴스 데이터 직렬화하여 응답</a:t>
-            </a:r>
-            <a:endParaRPr xmlns:mc="http://schemas.openxmlformats.org/markup-compatibility/2006" xmlns:hp="http://schemas.haansoft.com/office/presentation/8.0" kumimoji="0" lang="ko-KR" altLang="en-US" sz="3300" b="0" i="0" u="none" strike="noStrike" kern="1200" cap="none" spc="0" normalizeH="0" baseline="0" mc:Ignorable="hp" hp:hslEmbossed="0">
-              <a:solidFill>
-                <a:srgbClr val="000000"/>
-              </a:solidFill>
-              <a:latin typeface="나눔고딕"/>
-              <a:ea typeface="나눔고딕"/>
-            </a:endParaRPr>
+              <a:t> 인스턴스 데이터 </a:t>
+            </a:r>
+            <a:r>
+              <a:rPr kumimoji="0" lang="ko-KR" altLang="en-US" sz="3300" b="0" i="0" u="none" strike="noStrike" kern="1200" cap="none" spc="0" normalizeH="0" baseline="0" dirty="0" err="1">
+                <a:solidFill>
+                  <a:srgbClr val="000000"/>
+                </a:solidFill>
+                <a:latin typeface="나눔고딕"/>
+                <a:ea typeface="나눔고딕"/>
+              </a:rPr>
+              <a:t>직렬화하여</a:t>
+            </a:r>
+            <a:r>
+              <a:rPr kumimoji="0" lang="ko-KR" altLang="en-US" sz="3300" b="0" i="0" u="none" strike="noStrike" kern="1200" cap="none" spc="0" normalizeH="0" baseline="0" dirty="0">
+                <a:solidFill>
+                  <a:srgbClr val="000000"/>
+                </a:solidFill>
+                <a:latin typeface="나눔고딕"/>
+                <a:ea typeface="나눔고딕"/>
+              </a:rPr>
+              <a:t> 응답</a:t>
+            </a:r>
           </a:p>
         </p:txBody>
       </p:sp>
@@ -6712,7 +6693,7 @@
           <p:nvPr/>
         </p:nvGrpSpPr>
         <p:grpSpPr>
-          <a:xfrm rot="0">
+          <a:xfrm>
             <a:off x="6025504" y="7429500"/>
             <a:ext cx="9138297" cy="121973"/>
             <a:chOff x="2839930" y="5865926"/>
@@ -6728,7 +6709,7 @@
             <p:nvPr/>
           </p:nvPicPr>
           <p:blipFill rotWithShape="1">
-            <a:blip r:embed="rId7"/>
+            <a:blip r:embed="rId2"/>
             <a:stretch>
               <a:fillRect/>
             </a:stretch>
@@ -6746,12 +6727,12 @@
       </p:grpSp>
       <p:grpSp>
         <p:nvGrpSpPr>
-          <p:cNvPr id="1023" name=""/>
+          <p:cNvPr id="1023" name="그룹 1022"/>
           <p:cNvGrpSpPr/>
           <p:nvPr/>
         </p:nvGrpSpPr>
         <p:grpSpPr>
-          <a:xfrm rot="0">
+          <a:xfrm>
             <a:off x="1693814" y="7962900"/>
             <a:ext cx="1277987" cy="1277987"/>
             <a:chOff x="1160413" y="7277100"/>
@@ -6765,7 +6746,7 @@
             <p:nvPr/>
           </p:nvGrpSpPr>
           <p:grpSpPr>
-            <a:xfrm rot="0">
+            <a:xfrm>
               <a:off x="1160413" y="7277100"/>
               <a:ext cx="1277987" cy="1277987"/>
               <a:chOff x="2861734" y="4244385"/>
@@ -6781,7 +6762,7 @@
               <p:nvPr/>
             </p:nvPicPr>
             <p:blipFill rotWithShape="1">
-              <a:blip r:embed="rId8"/>
+              <a:blip r:embed="rId5"/>
               <a:stretch>
                 <a:fillRect/>
               </a:stretch>
@@ -6816,6 +6797,7 @@
             <a:bodyPr wrap="none">
               <a:spAutoFit/>
             </a:bodyPr>
+            <a:lstStyle/>
             <a:p>
               <a:pPr marL="0" lvl="0" indent="0" algn="l" defTabSz="914400" rtl="0" eaLnBrk="1" latinLnBrk="0" hangingPunct="1">
                 <a:lnSpc>
@@ -6831,7 +6813,7 @@
                 <a:defRPr/>
               </a:pPr>
               <a:r>
-                <a:rPr xmlns:mc="http://schemas.openxmlformats.org/markup-compatibility/2006" xmlns:hp="http://schemas.haansoft.com/office/presentation/8.0" kumimoji="0" lang="en-US" altLang="ko-KR" sz="3500" b="1" i="0" u="none" strike="noStrike" kern="1200" cap="none" spc="0" normalizeH="0" baseline="0" mc:Ignorable="hp" hp:hslEmbossed="0">
+                <a:rPr kumimoji="0" lang="en-US" altLang="ko-KR" sz="3500" b="1" i="0" u="none" strike="noStrike" kern="1200" cap="none" spc="0" normalizeH="0" baseline="0">
                   <a:solidFill>
                     <a:srgbClr val="000000"/>
                   </a:solidFill>
@@ -6840,13 +6822,6 @@
                 </a:rPr>
                 <a:t>VUE</a:t>
               </a:r>
-              <a:endParaRPr xmlns:mc="http://schemas.openxmlformats.org/markup-compatibility/2006" xmlns:hp="http://schemas.haansoft.com/office/presentation/8.0" kumimoji="0" lang="en-US" altLang="ko-KR" sz="3500" b="1" i="0" u="none" strike="noStrike" kern="1200" cap="none" spc="0" normalizeH="0" baseline="0" mc:Ignorable="hp" hp:hslEmbossed="0">
-                <a:solidFill>
-                  <a:srgbClr val="000000"/>
-                </a:solidFill>
-                <a:latin typeface="Franklin Gothic Demi"/>
-                <a:ea typeface="나눔고딕"/>
-              </a:endParaRPr>
             </a:p>
           </p:txBody>
         </p:sp>
@@ -6859,8 +6834,8 @@
         </p:nvSpPr>
         <p:spPr>
           <a:xfrm>
-            <a:off x="3429001" y="8267700"/>
-            <a:ext cx="9601200" cy="594361"/>
+            <a:off x="3429000" y="8267700"/>
+            <a:ext cx="11963399" cy="594361"/>
           </a:xfrm>
           <a:prstGeom prst="rect">
             <a:avLst/>
@@ -6870,6 +6845,7 @@
           <a:bodyPr wrap="square">
             <a:spAutoFit/>
           </a:bodyPr>
+          <a:lstStyle/>
           <a:p>
             <a:pPr marL="0" lvl="0" indent="0" algn="l" defTabSz="914400" rtl="0" eaLnBrk="1" latinLnBrk="0" hangingPunct="1">
               <a:lnSpc>
@@ -6885,7 +6861,7 @@
               <a:defRPr/>
             </a:pPr>
             <a:r>
-              <a:rPr xmlns:mc="http://schemas.openxmlformats.org/markup-compatibility/2006" xmlns:hp="http://schemas.haansoft.com/office/presentation/8.0" kumimoji="0" lang="en-US" altLang="ko-KR" sz="3300" b="0" i="0" u="none" strike="noStrike" kern="1200" cap="none" spc="0" normalizeH="0" baseline="0" mc:Ignorable="hp" hp:hslEmbossed="0">
+              <a:rPr kumimoji="0" lang="en-US" altLang="ko-KR" sz="3300" b="0" i="0" u="none" strike="noStrike" kern="1200" cap="none" spc="0" normalizeH="0" baseline="0" dirty="0" err="1">
                 <a:solidFill>
                   <a:srgbClr val="000000"/>
                 </a:solidFill>
@@ -6895,7 +6871,7 @@
               <a:t>img</a:t>
             </a:r>
             <a:r>
-              <a:rPr xmlns:mc="http://schemas.openxmlformats.org/markup-compatibility/2006" xmlns:hp="http://schemas.haansoft.com/office/presentation/8.0" kumimoji="0" lang="ko-KR" altLang="en-US" sz="3300" b="0" i="0" u="none" strike="noStrike" kern="1200" cap="none" spc="0" normalizeH="0" baseline="0" mc:Ignorable="hp" hp:hslEmbossed="0">
+              <a:rPr kumimoji="0" lang="ko-KR" altLang="en-US" sz="3300" b="0" i="0" u="none" strike="noStrike" kern="1200" cap="none" spc="0" normalizeH="0" baseline="0" dirty="0">
                 <a:solidFill>
                   <a:srgbClr val="000000"/>
                 </a:solidFill>
@@ -6904,13 +6880,6 @@
               </a:rPr>
               <a:t>태그에 이미지 경로 지정하여 사용자에게 보여줌</a:t>
             </a:r>
-            <a:endParaRPr xmlns:mc="http://schemas.openxmlformats.org/markup-compatibility/2006" xmlns:hp="http://schemas.haansoft.com/office/presentation/8.0" kumimoji="0" lang="ko-KR" altLang="en-US" sz="3300" b="0" i="0" u="none" strike="noStrike" kern="1200" cap="none" spc="0" normalizeH="0" baseline="0" mc:Ignorable="hp" hp:hslEmbossed="0">
-              <a:solidFill>
-                <a:srgbClr val="000000"/>
-              </a:solidFill>
-              <a:latin typeface="나눔고딕"/>
-              <a:ea typeface="나눔고딕"/>
-            </a:endParaRPr>
           </a:p>
         </p:txBody>
       </p:sp>
@@ -6923,41 +6892,41 @@
 </file>
 
 <file path=ppt/theme/theme1.xml><?xml version="1.0" encoding="utf-8"?>
-<a:theme xmlns:r="http://schemas.openxmlformats.org/officeDocument/2006/relationships" xmlns:c="http://schemas.openxmlformats.org/drawingml/2006/chart" xmlns:dgm="http://schemas.openxmlformats.org/drawingml/2006/diagram" xmlns:dsp="http://schemas.microsoft.com/office/drawing/2008/diagram" xmlns:a="http://schemas.openxmlformats.org/drawingml/2006/main" xmlns:pic="http://schemas.openxmlformats.org/drawingml/2006/picture" xmlns:wp="http://schemas.openxmlformats.org/drawingml/2006/wordprocessingDrawing" xmlns:xdr="http://schemas.openxmlformats.org/drawingml/2006/spreadsheetDrawing" xmlns:lc="http://schemas.openxmlformats.org/drawingml/2006/lockedCanvas" xmlns:p="http://schemas.openxmlformats.org/presentationml/2006/main" name="Office Theme">
+<a:theme xmlns:a="http://schemas.openxmlformats.org/drawingml/2006/main" name="Office Theme">
   <a:themeElements>
     <a:clrScheme name="Office">
       <a:dk1>
         <a:sysClr val="windowText" lastClr="000000"/>
       </a:dk1>
       <a:lt1>
-        <a:sysClr val="window" lastClr="ffffff"/>
+        <a:sysClr val="window" lastClr="FFFFFF"/>
       </a:lt1>
       <a:dk2>
-        <a:srgbClr val="1f497d"/>
+        <a:srgbClr val="1F497D"/>
       </a:dk2>
       <a:lt2>
-        <a:srgbClr val="eeece1"/>
+        <a:srgbClr val="EEECE1"/>
       </a:lt2>
       <a:accent1>
-        <a:srgbClr val="4f81bd"/>
+        <a:srgbClr val="4F81BD"/>
       </a:accent1>
       <a:accent2>
-        <a:srgbClr val="c0504d"/>
+        <a:srgbClr val="C0504D"/>
       </a:accent2>
       <a:accent3>
-        <a:srgbClr val="9bbb59"/>
+        <a:srgbClr val="9BBB59"/>
       </a:accent3>
       <a:accent4>
-        <a:srgbClr val="8064a2"/>
+        <a:srgbClr val="8064A2"/>
       </a:accent4>
       <a:accent5>
-        <a:srgbClr val="4bacc6"/>
+        <a:srgbClr val="4BACC6"/>
       </a:accent5>
       <a:accent6>
-        <a:srgbClr val="f79646"/>
+        <a:srgbClr val="F79646"/>
       </a:accent6>
       <a:hlink>
-        <a:srgbClr val="0000ff"/>
+        <a:srgbClr val="0000FF"/>
       </a:hlink>
       <a:folHlink>
         <a:srgbClr val="800080"/>
@@ -7200,5 +7169,7 @@
       </a:bgFillStyleLst>
     </a:fmtScheme>
   </a:themeElements>
+  <a:objectDefaults/>
+  <a:extraClrSchemeLst/>
 </a:theme>
 </file>